--- a/git et evalang.pptx
+++ b/git et evalang.pptx
@@ -9,6 +9,8 @@
     <p:sldId id="257" r:id="rId3"/>
     <p:sldId id="258" r:id="rId4"/>
     <p:sldId id="259" r:id="rId5"/>
+    <p:sldId id="260" r:id="rId6"/>
+    <p:sldId id="261" r:id="rId7"/>
   </p:sldIdLst>
   <p:sldSz cx="12192000" cy="6858000"/>
   <p:notesSz cx="6858000" cy="9144000"/>
@@ -5979,7 +5981,7 @@
           </a:p>
           <a:p>
             <a:r>
-              <a:rPr lang="en-FR"/>
+              <a:rPr lang="en-FR" dirty="0"/>
               <a:t>Les valider en faisant un commit sur la branche main</a:t>
             </a:r>
           </a:p>
@@ -5989,6 +5991,386 @@
     <p:extLst>
       <p:ext uri="{BB962C8B-B14F-4D97-AF65-F5344CB8AC3E}">
         <p14:creationId xmlns:p14="http://schemas.microsoft.com/office/powerpoint/2010/main" val="1632331483"/>
+      </p:ext>
+    </p:extLst>
+  </p:cSld>
+  <p:clrMapOvr>
+    <a:masterClrMapping/>
+  </p:clrMapOvr>
+</p:sld>
+</file>
+
+<file path=ppt/slides/slide5.xml><?xml version="1.0" encoding="utf-8"?>
+<p:sld xmlns:a="http://schemas.openxmlformats.org/drawingml/2006/main" xmlns:r="http://schemas.openxmlformats.org/officeDocument/2006/relationships" xmlns:p="http://schemas.openxmlformats.org/presentationml/2006/main">
+  <p:cSld>
+    <p:spTree>
+      <p:nvGrpSpPr>
+        <p:cNvPr id="1" name=""/>
+        <p:cNvGrpSpPr/>
+        <p:nvPr/>
+      </p:nvGrpSpPr>
+      <p:grpSpPr>
+        <a:xfrm>
+          <a:off x="0" y="0"/>
+          <a:ext cx="0" cy="0"/>
+          <a:chOff x="0" y="0"/>
+          <a:chExt cx="0" cy="0"/>
+        </a:xfrm>
+      </p:grpSpPr>
+      <p:sp>
+        <p:nvSpPr>
+          <p:cNvPr id="2" name="Title 1">
+            <a:extLst>
+              <a:ext uri="{FF2B5EF4-FFF2-40B4-BE49-F238E27FC236}">
+                <a16:creationId xmlns:a16="http://schemas.microsoft.com/office/drawing/2014/main" id="{6F354BB9-27B2-7142-8CCF-1545E92426F5}"/>
+              </a:ext>
+            </a:extLst>
+          </p:cNvPr>
+          <p:cNvSpPr>
+            <a:spLocks noGrp="1"/>
+          </p:cNvSpPr>
+          <p:nvPr>
+            <p:ph type="title"/>
+          </p:nvPr>
+        </p:nvSpPr>
+        <p:spPr/>
+        <p:txBody>
+          <a:bodyPr/>
+          <a:lstStyle/>
+          <a:p>
+            <a:r>
+              <a:rPr lang="en-FR" dirty="0"/>
+              <a:t>Utiliser Visual Studio Code</a:t>
+            </a:r>
+          </a:p>
+        </p:txBody>
+      </p:sp>
+      <p:sp>
+        <p:nvSpPr>
+          <p:cNvPr id="3" name="Content Placeholder 2">
+            <a:extLst>
+              <a:ext uri="{FF2B5EF4-FFF2-40B4-BE49-F238E27FC236}">
+                <a16:creationId xmlns:a16="http://schemas.microsoft.com/office/drawing/2014/main" id="{6CA86918-64E8-6843-99C5-CBDC1C54D9FE}"/>
+              </a:ext>
+            </a:extLst>
+          </p:cNvPr>
+          <p:cNvSpPr>
+            <a:spLocks noGrp="1"/>
+          </p:cNvSpPr>
+          <p:nvPr>
+            <p:ph idx="1"/>
+          </p:nvPr>
+        </p:nvSpPr>
+        <p:spPr/>
+        <p:txBody>
+          <a:bodyPr/>
+          <a:lstStyle/>
+          <a:p>
+            <a:r>
+              <a:rPr lang="en-FR" dirty="0"/>
+              <a:t>Outil gratuit et multi-système de Microsoft</a:t>
+            </a:r>
+          </a:p>
+          <a:p>
+            <a:r>
+              <a:rPr lang="en-FR" dirty="0"/>
+              <a:t>Facile à installer et rapide</a:t>
+            </a:r>
+          </a:p>
+          <a:p>
+            <a:r>
+              <a:rPr lang="en-GB" dirty="0"/>
+              <a:t>P</a:t>
+            </a:r>
+            <a:r>
+              <a:rPr lang="en-FR" dirty="0"/>
+              <a:t>ermet de visualiser tous les fichiers (en mode brut)</a:t>
+            </a:r>
+          </a:p>
+          <a:p>
+            <a:r>
+              <a:rPr lang="en-FR" dirty="0"/>
+              <a:t>Permet d’éditer les fichiers et de les propager en mode commit</a:t>
+            </a:r>
+          </a:p>
+          <a:p>
+            <a:r>
+              <a:rPr lang="en-FR" dirty="0"/>
+              <a:t>A télécharger sur </a:t>
+            </a:r>
+            <a:r>
+              <a:rPr lang="en-GB" dirty="0"/>
+              <a:t>https://</a:t>
+            </a:r>
+            <a:r>
+              <a:rPr lang="en-GB" dirty="0" err="1"/>
+              <a:t>code.visualstudio.com</a:t>
+            </a:r>
+            <a:r>
+              <a:rPr lang="en-GB" dirty="0"/>
+              <a:t>/download</a:t>
+            </a:r>
+            <a:endParaRPr lang="en-FR" dirty="0"/>
+          </a:p>
+        </p:txBody>
+      </p:sp>
+    </p:spTree>
+    <p:extLst>
+      <p:ext uri="{BB962C8B-B14F-4D97-AF65-F5344CB8AC3E}">
+        <p14:creationId xmlns:p14="http://schemas.microsoft.com/office/powerpoint/2010/main" val="557210329"/>
+      </p:ext>
+    </p:extLst>
+  </p:cSld>
+  <p:clrMapOvr>
+    <a:masterClrMapping/>
+  </p:clrMapOvr>
+</p:sld>
+</file>
+
+<file path=ppt/slides/slide6.xml><?xml version="1.0" encoding="utf-8"?>
+<p:sld xmlns:a="http://schemas.openxmlformats.org/drawingml/2006/main" xmlns:r="http://schemas.openxmlformats.org/officeDocument/2006/relationships" xmlns:p="http://schemas.openxmlformats.org/presentationml/2006/main">
+  <p:cSld>
+    <p:spTree>
+      <p:nvGrpSpPr>
+        <p:cNvPr id="1" name=""/>
+        <p:cNvGrpSpPr/>
+        <p:nvPr/>
+      </p:nvGrpSpPr>
+      <p:grpSpPr>
+        <a:xfrm>
+          <a:off x="0" y="0"/>
+          <a:ext cx="0" cy="0"/>
+          <a:chOff x="0" y="0"/>
+          <a:chExt cx="0" cy="0"/>
+        </a:xfrm>
+      </p:grpSpPr>
+      <p:sp>
+        <p:nvSpPr>
+          <p:cNvPr id="2" name="Title 1">
+            <a:extLst>
+              <a:ext uri="{FF2B5EF4-FFF2-40B4-BE49-F238E27FC236}">
+                <a16:creationId xmlns:a16="http://schemas.microsoft.com/office/drawing/2014/main" id="{CC413C5E-053F-3646-829A-961797E14EC8}"/>
+              </a:ext>
+            </a:extLst>
+          </p:cNvPr>
+          <p:cNvSpPr>
+            <a:spLocks noGrp="1"/>
+          </p:cNvSpPr>
+          <p:nvPr>
+            <p:ph type="title"/>
+          </p:nvPr>
+        </p:nvSpPr>
+        <p:spPr/>
+        <p:txBody>
+          <a:bodyPr/>
+          <a:lstStyle/>
+          <a:p>
+            <a:r>
+              <a:rPr lang="en-GB" dirty="0"/>
+              <a:t>E</a:t>
+            </a:r>
+            <a:r>
+              <a:rPr lang="en-FR" dirty="0"/>
+              <a:t>valang-private</a:t>
+            </a:r>
+          </a:p>
+        </p:txBody>
+      </p:sp>
+      <p:sp>
+        <p:nvSpPr>
+          <p:cNvPr id="3" name="Content Placeholder 2">
+            <a:extLst>
+              <a:ext uri="{FF2B5EF4-FFF2-40B4-BE49-F238E27FC236}">
+                <a16:creationId xmlns:a16="http://schemas.microsoft.com/office/drawing/2014/main" id="{A940E749-4F9A-CD45-8AFC-9B213CA3A47E}"/>
+              </a:ext>
+            </a:extLst>
+          </p:cNvPr>
+          <p:cNvSpPr>
+            <a:spLocks noGrp="1"/>
+          </p:cNvSpPr>
+          <p:nvPr>
+            <p:ph idx="1"/>
+          </p:nvPr>
+        </p:nvSpPr>
+        <p:spPr/>
+        <p:txBody>
+          <a:bodyPr/>
+          <a:lstStyle/>
+          <a:p>
+            <a:r>
+              <a:rPr lang="en-FR" dirty="0"/>
+              <a:t>Pour accéder à evalang sur GitHub il n’y a pas besoin de mot de passe. Tous les fichiers sont publics et libres</a:t>
+            </a:r>
+          </a:p>
+          <a:p>
+            <a:r>
+              <a:rPr lang="en-FR" dirty="0"/>
+              <a:t>Les fichiers non public du projet sont déposés dans evalang-private</a:t>
+            </a:r>
+          </a:p>
+          <a:p>
+            <a:pPr lvl="1"/>
+            <a:r>
+              <a:rPr lang="en-GB" dirty="0">
+                <a:hlinkClick r:id="rId2"/>
+              </a:rPr>
+              <a:t>https://github.com/christopheparisse/evalang-private</a:t>
+            </a:r>
+            <a:endParaRPr lang="en-GB" dirty="0"/>
+          </a:p>
+          <a:p>
+            <a:pPr lvl="1"/>
+            <a:r>
+              <a:rPr lang="en-GB" dirty="0"/>
+              <a:t>Pour y </a:t>
+            </a:r>
+            <a:r>
+              <a:rPr lang="en-GB" dirty="0" err="1"/>
+              <a:t>aller</a:t>
+            </a:r>
+            <a:r>
+              <a:rPr lang="en-GB" dirty="0"/>
+              <a:t> il faut </a:t>
+            </a:r>
+            <a:r>
+              <a:rPr lang="en-GB" dirty="0" err="1"/>
+              <a:t>être</a:t>
+            </a:r>
+            <a:r>
+              <a:rPr lang="en-GB" dirty="0"/>
+              <a:t> </a:t>
+            </a:r>
+            <a:r>
+              <a:rPr lang="en-GB" dirty="0" err="1"/>
+              <a:t>inscrit</a:t>
+            </a:r>
+            <a:r>
+              <a:rPr lang="en-GB" dirty="0"/>
+              <a:t>, </a:t>
+            </a:r>
+            <a:r>
+              <a:rPr lang="en-GB" dirty="0" err="1"/>
+              <a:t>authentifié</a:t>
+            </a:r>
+            <a:r>
+              <a:rPr lang="en-GB" dirty="0"/>
+              <a:t> par mot de passe</a:t>
+            </a:r>
+          </a:p>
+          <a:p>
+            <a:pPr lvl="1"/>
+            <a:r>
+              <a:rPr lang="en-GB" dirty="0"/>
+              <a:t>Il faut </a:t>
+            </a:r>
+            <a:r>
+              <a:rPr lang="en-GB" dirty="0" err="1"/>
+              <a:t>s’inscrire</a:t>
+            </a:r>
+            <a:r>
+              <a:rPr lang="en-GB" dirty="0"/>
+              <a:t> sur GitHub et après je </a:t>
+            </a:r>
+            <a:r>
+              <a:rPr lang="en-GB" dirty="0" err="1"/>
+              <a:t>peux</a:t>
+            </a:r>
+            <a:r>
+              <a:rPr lang="en-GB" dirty="0"/>
+              <a:t> </a:t>
+            </a:r>
+            <a:r>
+              <a:rPr lang="en-GB" dirty="0" err="1"/>
+              <a:t>vous</a:t>
+            </a:r>
+            <a:r>
+              <a:rPr lang="en-GB" dirty="0"/>
+              <a:t> </a:t>
+            </a:r>
+            <a:r>
+              <a:rPr lang="en-GB" dirty="0" err="1"/>
+              <a:t>indiquer</a:t>
+            </a:r>
+            <a:r>
+              <a:rPr lang="en-GB" dirty="0"/>
+              <a:t> </a:t>
+            </a:r>
+            <a:r>
+              <a:rPr lang="en-GB" dirty="0" err="1"/>
+              <a:t>comme</a:t>
+            </a:r>
+            <a:r>
+              <a:rPr lang="en-GB" dirty="0"/>
+              <a:t> participant au </a:t>
+            </a:r>
+            <a:r>
+              <a:rPr lang="en-GB" dirty="0" err="1"/>
+              <a:t>projet</a:t>
+            </a:r>
+            <a:r>
+              <a:rPr lang="en-GB" dirty="0"/>
+              <a:t>. </a:t>
+            </a:r>
+            <a:r>
+              <a:rPr lang="en-GB" dirty="0" err="1"/>
+              <a:t>Alors</a:t>
+            </a:r>
+            <a:r>
+              <a:rPr lang="en-GB" dirty="0"/>
+              <a:t> </a:t>
+            </a:r>
+            <a:r>
+              <a:rPr lang="en-GB" dirty="0" err="1"/>
+              <a:t>vous</a:t>
+            </a:r>
+            <a:r>
+              <a:rPr lang="en-GB" dirty="0"/>
+              <a:t> </a:t>
+            </a:r>
+            <a:r>
+              <a:rPr lang="en-GB" dirty="0" err="1"/>
+              <a:t>pourrez</a:t>
+            </a:r>
+            <a:r>
+              <a:rPr lang="en-GB" dirty="0"/>
+              <a:t> y </a:t>
+            </a:r>
+            <a:r>
+              <a:rPr lang="en-GB" dirty="0" err="1"/>
+              <a:t>aller</a:t>
+            </a:r>
+            <a:r>
+              <a:rPr lang="en-GB" dirty="0"/>
+              <a:t> et y </a:t>
+            </a:r>
+            <a:r>
+              <a:rPr lang="en-GB" dirty="0" err="1"/>
+              <a:t>travailler</a:t>
+            </a:r>
+            <a:r>
+              <a:rPr lang="en-GB" dirty="0"/>
+              <a:t> </a:t>
+            </a:r>
+            <a:r>
+              <a:rPr lang="en-GB" dirty="0" err="1"/>
+              <a:t>comme</a:t>
+            </a:r>
+            <a:r>
+              <a:rPr lang="en-GB" dirty="0"/>
+              <a:t> sur </a:t>
+            </a:r>
+            <a:r>
+              <a:rPr lang="en-GB"/>
+              <a:t>Evalang</a:t>
+            </a:r>
+            <a:endParaRPr lang="en-FR"/>
+          </a:p>
+        </p:txBody>
+      </p:sp>
+    </p:spTree>
+    <p:extLst>
+      <p:ext uri="{BB962C8B-B14F-4D97-AF65-F5344CB8AC3E}">
+        <p14:creationId xmlns:p14="http://schemas.microsoft.com/office/powerpoint/2010/main" val="456398227"/>
       </p:ext>
     </p:extLst>
   </p:cSld>
